--- a/databricks-posts/output/02_query-tags-for-sql-warehouses-public-preview/carousel.pptx
+++ b/databricks-posts/output/02_query-tags-for-sql-warehouses-public-preview/carousel.pptx
@@ -1213,7 +1213,7 @@
     <p:bg>
       <p:bgPr>
         <a:solidFill>
-          <a:srgbClr val="1B1F2B"/>
+          <a:srgbClr val="0D1B2A"/>
         </a:solidFill>
       </p:bgPr>
     </p:bg>
@@ -1246,7 +1246,7 @@
             <a:avLst/>
           </a:prstGeom>
           <a:solidFill>
-            <a:srgbClr val="FF3621"/>
+            <a:srgbClr val="0A6E6E"/>
           </a:solidFill>
           <a:ln/>
         </p:spPr>
@@ -1254,6 +1254,66 @@
       <p:sp>
         <p:nvSpPr>
           <p:cNvPr id="3" name="Shape 1"/>
+          <p:cNvSpPr/>
+          <p:nvPr/>
+        </p:nvSpPr>
+        <p:spPr>
+          <a:xfrm>
+            <a:off x="0" y="73152"/>
+            <a:ext cx="2286000" cy="27432"/>
+          </a:xfrm>
+          <a:prstGeom prst="rect">
+            <a:avLst/>
+          </a:prstGeom>
+          <a:solidFill>
+            <a:srgbClr val="0A6E6E"/>
+          </a:solidFill>
+          <a:ln/>
+        </p:spPr>
+      </p:sp>
+      <p:sp>
+        <p:nvSpPr>
+          <p:cNvPr id="4" name="Shape 2"/>
+          <p:cNvSpPr/>
+          <p:nvPr/>
+        </p:nvSpPr>
+        <p:spPr>
+          <a:xfrm>
+            <a:off x="2286000" y="73152"/>
+            <a:ext cx="2286000" cy="27432"/>
+          </a:xfrm>
+          <a:prstGeom prst="rect">
+            <a:avLst/>
+          </a:prstGeom>
+          <a:solidFill>
+            <a:srgbClr val="4A7C6F"/>
+          </a:solidFill>
+          <a:ln/>
+        </p:spPr>
+      </p:sp>
+      <p:sp>
+        <p:nvSpPr>
+          <p:cNvPr id="5" name="Shape 3"/>
+          <p:cNvSpPr/>
+          <p:nvPr/>
+        </p:nvSpPr>
+        <p:spPr>
+          <a:xfrm>
+            <a:off x="4572000" y="73152"/>
+            <a:ext cx="2286000" cy="27432"/>
+          </a:xfrm>
+          <a:prstGeom prst="rect">
+            <a:avLst/>
+          </a:prstGeom>
+          <a:solidFill>
+            <a:srgbClr val="F5A623"/>
+          </a:solidFill>
+          <a:ln/>
+        </p:spPr>
+      </p:sp>
+      <p:sp>
+        <p:nvSpPr>
+          <p:cNvPr id="6" name="Shape 4"/>
           <p:cNvSpPr/>
           <p:nvPr/>
         </p:nvSpPr>
@@ -1268,14 +1328,14 @@
             </a:avLst>
           </a:prstGeom>
           <a:solidFill>
-            <a:srgbClr val="FF3621"/>
-          </a:solidFill>
-          <a:ln/>
-        </p:spPr>
-      </p:sp>
-      <p:sp>
-        <p:nvSpPr>
-          <p:cNvPr id="4" name="Text 2"/>
+            <a:srgbClr val="4A7C6F"/>
+          </a:solidFill>
+          <a:ln/>
+        </p:spPr>
+      </p:sp>
+      <p:sp>
+        <p:nvSpPr>
+          <p:cNvPr id="7" name="Text 5"/>
           <p:cNvSpPr/>
           <p:nvPr/>
         </p:nvSpPr>
@@ -1302,9 +1362,9 @@
                 <a:solidFill>
                   <a:srgbClr val="FFFFFF"/>
                 </a:solidFill>
-                <a:latin typeface="Trebuchet MS" pitchFamily="34" charset="0"/>
-                <a:ea typeface="Trebuchet MS" pitchFamily="34" charset="-122"/>
-                <a:cs typeface="Trebuchet MS" pitchFamily="34" charset="-120"/>
+                <a:latin typeface="Segoe UI" pitchFamily="34" charset="0"/>
+                <a:ea typeface="Segoe UI" pitchFamily="34" charset="-122"/>
+                <a:cs typeface="Segoe UI" pitchFamily="34" charset="-120"/>
               </a:rPr>
               <a:t>DATABRICKS UPDATE</a:t>
             </a:r>
@@ -1314,7 +1374,7 @@
       </p:sp>
       <p:sp>
         <p:nvSpPr>
-          <p:cNvPr id="5" name="Text 3"/>
+          <p:cNvPr id="8" name="Text 6"/>
           <p:cNvSpPr/>
           <p:nvPr/>
         </p:nvSpPr>
@@ -1344,9 +1404,9 @@
                 <a:solidFill>
                   <a:srgbClr val="FFFFFF"/>
                 </a:solidFill>
-                <a:latin typeface="Trebuchet MS" pitchFamily="34" charset="0"/>
-                <a:ea typeface="Trebuchet MS" pitchFamily="34" charset="-122"/>
-                <a:cs typeface="Trebuchet MS" pitchFamily="34" charset="-120"/>
+                <a:latin typeface="Georgia" pitchFamily="34" charset="0"/>
+                <a:ea typeface="Georgia" pitchFamily="34" charset="-122"/>
+                <a:cs typeface="Georgia" pitchFamily="34" charset="-120"/>
               </a:rPr>
               <a:t>Query Tags for SQL Warehouses</a:t>
             </a:r>
@@ -1356,7 +1416,7 @@
       </p:sp>
       <p:sp>
         <p:nvSpPr>
-          <p:cNvPr id="6" name="Text 4"/>
+          <p:cNvPr id="9" name="Text 7"/>
           <p:cNvSpPr/>
           <p:nvPr/>
         </p:nvSpPr>
@@ -1381,11 +1441,11 @@
             <a:r>
               <a:rPr lang="en-US" sz="1400" i="1" dirty="0">
                 <a:solidFill>
-                  <a:srgbClr val="A0A4B8"/>
+                  <a:srgbClr val="6B7C8A"/>
                 </a:solidFill>
-                <a:latin typeface="Calibri" pitchFamily="34" charset="0"/>
-                <a:ea typeface="Calibri" pitchFamily="34" charset="-122"/>
-                <a:cs typeface="Calibri" pitchFamily="34" charset="-120"/>
+                <a:latin typeface="Segoe UI" pitchFamily="34" charset="0"/>
+                <a:ea typeface="Segoe UI" pitchFamily="34" charset="-122"/>
+                <a:cs typeface="Segoe UI" pitchFamily="34" charset="-120"/>
               </a:rPr>
               <a:t>Swipe to learn more →</a:t>
             </a:r>
@@ -1395,7 +1455,7 @@
       </p:sp>
       <p:sp>
         <p:nvSpPr>
-          <p:cNvPr id="7" name="Text 5"/>
+          <p:cNvPr id="10" name="Text 8"/>
           <p:cNvSpPr/>
           <p:nvPr/>
         </p:nvSpPr>
@@ -1420,11 +1480,11 @@
             <a:r>
               <a:rPr lang="en-US" sz="1100" dirty="0">
                 <a:solidFill>
-                  <a:srgbClr val="A0A4B8"/>
+                  <a:srgbClr val="6B7C8A"/>
                 </a:solidFill>
-                <a:latin typeface="Calibri" pitchFamily="34" charset="0"/>
-                <a:ea typeface="Calibri" pitchFamily="34" charset="-122"/>
-                <a:cs typeface="Calibri" pitchFamily="34" charset="-120"/>
+                <a:latin typeface="Segoe UI" pitchFamily="34" charset="0"/>
+                <a:ea typeface="Segoe UI" pitchFamily="34" charset="-122"/>
+                <a:cs typeface="Segoe UI" pitchFamily="34" charset="-120"/>
               </a:rPr>
               <a:t>ustdoes.tech</a:t>
             </a:r>
@@ -1446,7 +1506,7 @@
     <p:bg>
       <p:bgPr>
         <a:solidFill>
-          <a:srgbClr val="1B1F2B"/>
+          <a:srgbClr val="0D1B2A"/>
         </a:solidFill>
       </p:bgPr>
     </p:bg>
@@ -1479,7 +1539,7 @@
             <a:avLst/>
           </a:prstGeom>
           <a:solidFill>
-            <a:srgbClr val="FFB84D"/>
+            <a:srgbClr val="F5A623"/>
           </a:solidFill>
           <a:ln/>
         </p:spPr>
@@ -1499,7 +1559,7 @@
             <a:avLst/>
           </a:prstGeom>
           <a:solidFill>
-            <a:srgbClr val="FFB84D"/>
+            <a:srgbClr val="F5A623"/>
           </a:solidFill>
           <a:ln/>
         </p:spPr>
@@ -1531,11 +1591,11 @@
             <a:r>
               <a:rPr lang="en-US" sz="2200" b="1" dirty="0">
                 <a:solidFill>
-                  <a:srgbClr val="1B1F2B"/>
+                  <a:srgbClr val="0D1B2A"/>
                 </a:solidFill>
-                <a:latin typeface="Trebuchet MS" pitchFamily="34" charset="0"/>
-                <a:ea typeface="Trebuchet MS" pitchFamily="34" charset="-122"/>
-                <a:cs typeface="Trebuchet MS" pitchFamily="34" charset="-120"/>
+                <a:latin typeface="Georgia" pitchFamily="34" charset="0"/>
+                <a:ea typeface="Georgia" pitchFamily="34" charset="-122"/>
+                <a:cs typeface="Georgia" pitchFamily="34" charset="-120"/>
               </a:rPr>
               <a:t>1</a:t>
             </a:r>
@@ -1570,11 +1630,11 @@
             <a:r>
               <a:rPr lang="en-US" sz="2600" b="1" spc="200" kern="0" dirty="0">
                 <a:solidFill>
-                  <a:srgbClr val="FFB84D"/>
+                  <a:srgbClr val="F5A623"/>
                 </a:solidFill>
-                <a:latin typeface="Trebuchet MS" pitchFamily="34" charset="0"/>
-                <a:ea typeface="Trebuchet MS" pitchFamily="34" charset="-122"/>
-                <a:cs typeface="Trebuchet MS" pitchFamily="34" charset="-120"/>
+                <a:latin typeface="Georgia" pitchFamily="34" charset="0"/>
+                <a:ea typeface="Georgia" pitchFamily="34" charset="-122"/>
+                <a:cs typeface="Georgia" pitchFamily="34" charset="-120"/>
               </a:rPr>
               <a:t>WHAT IS IT?</a:t>
             </a:r>
@@ -1597,7 +1657,7 @@
             <a:avLst/>
           </a:prstGeom>
           <a:solidFill>
-            <a:srgbClr val="262B3D"/>
+            <a:srgbClr val="162738"/>
           </a:solidFill>
           <a:ln/>
           <a:effectLst>
@@ -1624,7 +1684,7 @@
             <a:avLst/>
           </a:prstGeom>
           <a:solidFill>
-            <a:srgbClr val="FFB84D"/>
+            <a:srgbClr val="F5A623"/>
           </a:solidFill>
           <a:ln/>
         </p:spPr>
@@ -1659,13 +1719,13 @@
             <a:r>
               <a:rPr lang="en-US" sz="1800" dirty="0">
                 <a:solidFill>
-                  <a:srgbClr val="F0F0F5"/>
+                  <a:srgbClr val="E8E4DD"/>
                 </a:solidFill>
-                <a:latin typeface="Calibri" pitchFamily="34" charset="0"/>
-                <a:ea typeface="Calibri" pitchFamily="34" charset="-122"/>
-                <a:cs typeface="Calibri" pitchFamily="34" charset="-120"/>
+                <a:latin typeface="Segoe UI" pitchFamily="34" charset="0"/>
+                <a:ea typeface="Segoe UI" pitchFamily="34" charset="-122"/>
+                <a:cs typeface="Segoe UI" pitchFamily="34" charset="-120"/>
               </a:rPr>
-              <a:t>Apply custom key-value tags to SQL workloads on Databricks SQL warehouses.</a:t>
+              <a:t>Custom tags for SQL workloads on Databricks, allowing grouping, filtering and cost attribution.</a:t>
             </a:r>
             <a:endParaRPr lang="en-US" sz="1800" dirty="0"/>
           </a:p>
@@ -1698,11 +1758,11 @@
             <a:r>
               <a:rPr lang="en-US" sz="1100" dirty="0">
                 <a:solidFill>
-                  <a:srgbClr val="A0A4B8"/>
+                  <a:srgbClr val="6B7C8A"/>
                 </a:solidFill>
-                <a:latin typeface="Calibri" pitchFamily="34" charset="0"/>
-                <a:ea typeface="Calibri" pitchFamily="34" charset="-122"/>
-                <a:cs typeface="Calibri" pitchFamily="34" charset="-120"/>
+                <a:latin typeface="Segoe UI" pitchFamily="34" charset="0"/>
+                <a:ea typeface="Segoe UI" pitchFamily="34" charset="-122"/>
+                <a:cs typeface="Segoe UI" pitchFamily="34" charset="-120"/>
               </a:rPr>
               <a:t>1 / 3</a:t>
             </a:r>
@@ -1724,7 +1784,7 @@
     <p:bg>
       <p:bgPr>
         <a:solidFill>
-          <a:srgbClr val="1B1F2B"/>
+          <a:srgbClr val="0D1B2A"/>
         </a:solidFill>
       </p:bgPr>
     </p:bg>
@@ -1757,7 +1817,7 @@
             <a:avLst/>
           </a:prstGeom>
           <a:solidFill>
-            <a:srgbClr val="5B8DEF"/>
+            <a:srgbClr val="0A6E6E"/>
           </a:solidFill>
           <a:ln/>
         </p:spPr>
@@ -1777,7 +1837,7 @@
             <a:avLst/>
           </a:prstGeom>
           <a:solidFill>
-            <a:srgbClr val="5B8DEF"/>
+            <a:srgbClr val="0A6E6E"/>
           </a:solidFill>
           <a:ln/>
         </p:spPr>
@@ -1811,9 +1871,9 @@
                 <a:solidFill>
                   <a:srgbClr val="FFFFFF"/>
                 </a:solidFill>
-                <a:latin typeface="Trebuchet MS" pitchFamily="34" charset="0"/>
-                <a:ea typeface="Trebuchet MS" pitchFamily="34" charset="-122"/>
-                <a:cs typeface="Trebuchet MS" pitchFamily="34" charset="-120"/>
+                <a:latin typeface="Georgia" pitchFamily="34" charset="0"/>
+                <a:ea typeface="Georgia" pitchFamily="34" charset="-122"/>
+                <a:cs typeface="Georgia" pitchFamily="34" charset="-120"/>
               </a:rPr>
               <a:t>2</a:t>
             </a:r>
@@ -1848,11 +1908,11 @@
             <a:r>
               <a:rPr lang="en-US" sz="2600" b="1" spc="200" kern="0" dirty="0">
                 <a:solidFill>
-                  <a:srgbClr val="5B8DEF"/>
+                  <a:srgbClr val="0A6E6E"/>
                 </a:solidFill>
-                <a:latin typeface="Trebuchet MS" pitchFamily="34" charset="0"/>
-                <a:ea typeface="Trebuchet MS" pitchFamily="34" charset="-122"/>
-                <a:cs typeface="Trebuchet MS" pitchFamily="34" charset="-120"/>
+                <a:latin typeface="Georgia" pitchFamily="34" charset="0"/>
+                <a:ea typeface="Georgia" pitchFamily="34" charset="-122"/>
+                <a:cs typeface="Georgia" pitchFamily="34" charset="-120"/>
               </a:rPr>
               <a:t>WHY DOES IT MATTER?</a:t>
             </a:r>
@@ -1875,7 +1935,7 @@
             <a:avLst/>
           </a:prstGeom>
           <a:solidFill>
-            <a:srgbClr val="262B3D"/>
+            <a:srgbClr val="162738"/>
           </a:solidFill>
           <a:ln/>
           <a:effectLst>
@@ -1902,7 +1962,7 @@
             <a:avLst/>
           </a:prstGeom>
           <a:solidFill>
-            <a:srgbClr val="5B8DEF"/>
+            <a:srgbClr val="0A6E6E"/>
           </a:solidFill>
           <a:ln/>
         </p:spPr>
@@ -1937,13 +1997,13 @@
             <a:r>
               <a:rPr lang="en-US" sz="1800" dirty="0">
                 <a:solidFill>
-                  <a:srgbClr val="F0F0F5"/>
+                  <a:srgbClr val="E8E4DD"/>
                 </a:solidFill>
-                <a:latin typeface="Calibri" pitchFamily="34" charset="0"/>
-                <a:ea typeface="Calibri" pitchFamily="34" charset="-122"/>
-                <a:cs typeface="Calibri" pitchFamily="34" charset="-120"/>
+                <a:latin typeface="Segoe UI" pitchFamily="34" charset="0"/>
+                <a:ea typeface="Segoe UI" pitchFamily="34" charset="-122"/>
+                <a:cs typeface="Segoe UI" pitchFamily="34" charset="-120"/>
               </a:rPr>
-              <a:t>Attribute warehouse costs by business context and identify sources of long-running queries.</a:t>
+              <a:t>Efficiently identify sources of long-running queries and allocate costs by business context.</a:t>
             </a:r>
             <a:endParaRPr lang="en-US" sz="1800" dirty="0"/>
           </a:p>
@@ -1976,11 +2036,11 @@
             <a:r>
               <a:rPr lang="en-US" sz="1100" dirty="0">
                 <a:solidFill>
-                  <a:srgbClr val="A0A4B8"/>
+                  <a:srgbClr val="6B7C8A"/>
                 </a:solidFill>
-                <a:latin typeface="Calibri" pitchFamily="34" charset="0"/>
-                <a:ea typeface="Calibri" pitchFamily="34" charset="-122"/>
-                <a:cs typeface="Calibri" pitchFamily="34" charset="-120"/>
+                <a:latin typeface="Segoe UI" pitchFamily="34" charset="0"/>
+                <a:ea typeface="Segoe UI" pitchFamily="34" charset="-122"/>
+                <a:cs typeface="Segoe UI" pitchFamily="34" charset="-120"/>
               </a:rPr>
               <a:t>2 / 3</a:t>
             </a:r>
@@ -2002,7 +2062,7 @@
     <p:bg>
       <p:bgPr>
         <a:solidFill>
-          <a:srgbClr val="1B1F2B"/>
+          <a:srgbClr val="0D1B2A"/>
         </a:solidFill>
       </p:bgPr>
     </p:bg>
@@ -2035,7 +2095,7 @@
             <a:avLst/>
           </a:prstGeom>
           <a:solidFill>
-            <a:srgbClr val="00D4AA"/>
+            <a:srgbClr val="4A7C6F"/>
           </a:solidFill>
           <a:ln/>
         </p:spPr>
@@ -2055,7 +2115,7 @@
             <a:avLst/>
           </a:prstGeom>
           <a:solidFill>
-            <a:srgbClr val="00D4AA"/>
+            <a:srgbClr val="4A7C6F"/>
           </a:solidFill>
           <a:ln/>
         </p:spPr>
@@ -2087,11 +2147,11 @@
             <a:r>
               <a:rPr lang="en-US" sz="2200" b="1" dirty="0">
                 <a:solidFill>
-                  <a:srgbClr val="1B1F2B"/>
+                  <a:srgbClr val="0D1B2A"/>
                 </a:solidFill>
-                <a:latin typeface="Trebuchet MS" pitchFamily="34" charset="0"/>
-                <a:ea typeface="Trebuchet MS" pitchFamily="34" charset="-122"/>
-                <a:cs typeface="Trebuchet MS" pitchFamily="34" charset="-120"/>
+                <a:latin typeface="Georgia" pitchFamily="34" charset="0"/>
+                <a:ea typeface="Georgia" pitchFamily="34" charset="-122"/>
+                <a:cs typeface="Georgia" pitchFamily="34" charset="-120"/>
               </a:rPr>
               <a:t>3</a:t>
             </a:r>
@@ -2126,11 +2186,11 @@
             <a:r>
               <a:rPr lang="en-US" sz="2600" b="1" spc="200" kern="0" dirty="0">
                 <a:solidFill>
-                  <a:srgbClr val="00D4AA"/>
+                  <a:srgbClr val="4A7C6F"/>
                 </a:solidFill>
-                <a:latin typeface="Trebuchet MS" pitchFamily="34" charset="0"/>
-                <a:ea typeface="Trebuchet MS" pitchFamily="34" charset="-122"/>
-                <a:cs typeface="Trebuchet MS" pitchFamily="34" charset="-120"/>
+                <a:latin typeface="Georgia" pitchFamily="34" charset="0"/>
+                <a:ea typeface="Georgia" pitchFamily="34" charset="-122"/>
+                <a:cs typeface="Georgia" pitchFamily="34" charset="-120"/>
               </a:rPr>
               <a:t>HOW TO USE IT</a:t>
             </a:r>
@@ -2153,7 +2213,7 @@
             <a:avLst/>
           </a:prstGeom>
           <a:solidFill>
-            <a:srgbClr val="262B3D"/>
+            <a:srgbClr val="162738"/>
           </a:solidFill>
           <a:ln/>
           <a:effectLst>
@@ -2180,7 +2240,7 @@
             <a:avLst/>
           </a:prstGeom>
           <a:solidFill>
-            <a:srgbClr val="00D4AA"/>
+            <a:srgbClr val="4A7C6F"/>
           </a:solidFill>
           <a:ln/>
         </p:spPr>
@@ -2215,13 +2275,13 @@
             <a:r>
               <a:rPr lang="en-US" sz="1800" dirty="0">
                 <a:solidFill>
-                  <a:srgbClr val="F0F0F5"/>
+                  <a:srgbClr val="E8E4DD"/>
                 </a:solidFill>
-                <a:latin typeface="Calibri" pitchFamily="34" charset="0"/>
-                <a:ea typeface="Calibri" pitchFamily="34" charset="-122"/>
-                <a:cs typeface="Calibri" pitchFamily="34" charset="-120"/>
+                <a:latin typeface="Segoe UI" pitchFamily="34" charset="0"/>
+                <a:ea typeface="Segoe UI" pitchFamily="34" charset="-122"/>
+                <a:cs typeface="Segoe UI" pitchFamily="34" charset="-120"/>
               </a:rPr>
-              <a:t>Set using session configuration parameters, SQL statement, or connectors like dbt, Power BI, Tableau.</a:t>
+              <a:t>Set using session configuration parameters, the SET QUERY_TAGS SQL statement or through connectors like dbt, Power BI, Tableau.</a:t>
             </a:r>
             <a:endParaRPr lang="en-US" sz="1800" dirty="0"/>
           </a:p>
@@ -2254,11 +2314,11 @@
             <a:r>
               <a:rPr lang="en-US" sz="1100" dirty="0">
                 <a:solidFill>
-                  <a:srgbClr val="A0A4B8"/>
+                  <a:srgbClr val="6B7C8A"/>
                 </a:solidFill>
-                <a:latin typeface="Calibri" pitchFamily="34" charset="0"/>
-                <a:ea typeface="Calibri" pitchFamily="34" charset="-122"/>
-                <a:cs typeface="Calibri" pitchFamily="34" charset="-120"/>
+                <a:latin typeface="Segoe UI" pitchFamily="34" charset="0"/>
+                <a:ea typeface="Segoe UI" pitchFamily="34" charset="-122"/>
+                <a:cs typeface="Segoe UI" pitchFamily="34" charset="-120"/>
               </a:rPr>
               <a:t>3 / 3</a:t>
             </a:r>
@@ -2280,7 +2340,7 @@
     <p:bg>
       <p:bgPr>
         <a:solidFill>
-          <a:srgbClr val="1B1F2B"/>
+          <a:srgbClr val="0D1B2A"/>
         </a:solidFill>
       </p:bgPr>
     </p:bg>
@@ -2313,7 +2373,7 @@
             <a:avLst/>
           </a:prstGeom>
           <a:solidFill>
-            <a:srgbClr val="FF3621"/>
+            <a:srgbClr val="0A6E6E"/>
           </a:solidFill>
           <a:ln/>
         </p:spPr>
@@ -2347,9 +2407,9 @@
                 <a:solidFill>
                   <a:srgbClr val="FFFFFF"/>
                 </a:solidFill>
-                <a:latin typeface="Trebuchet MS" pitchFamily="34" charset="0"/>
-                <a:ea typeface="Trebuchet MS" pitchFamily="34" charset="-122"/>
-                <a:cs typeface="Trebuchet MS" pitchFamily="34" charset="-120"/>
+                <a:latin typeface="Georgia" pitchFamily="34" charset="0"/>
+                <a:ea typeface="Georgia" pitchFamily="34" charset="-122"/>
+                <a:cs typeface="Georgia" pitchFamily="34" charset="-120"/>
               </a:rPr>
               <a:t>Found this useful?</a:t>
             </a:r>
@@ -2387,11 +2447,11 @@
             <a:r>
               <a:rPr lang="en-US" sz="1800" dirty="0">
                 <a:solidFill>
-                  <a:srgbClr val="F0F0F5"/>
+                  <a:srgbClr val="E8E4DD"/>
                 </a:solidFill>
-                <a:latin typeface="Calibri" pitchFamily="34" charset="0"/>
-                <a:ea typeface="Calibri" pitchFamily="34" charset="-122"/>
-                <a:cs typeface="Calibri" pitchFamily="34" charset="-120"/>
+                <a:latin typeface="Segoe UI" pitchFamily="34" charset="0"/>
+                <a:ea typeface="Segoe UI" pitchFamily="34" charset="-122"/>
+                <a:cs typeface="Segoe UI" pitchFamily="34" charset="-120"/>
               </a:rPr>
               <a:t>♻️  Repost to help your network</a:t>
             </a:r>
@@ -2416,11 +2476,11 @@
             <a:r>
               <a:rPr lang="en-US" sz="1800" dirty="0">
                 <a:solidFill>
-                  <a:srgbClr val="F0F0F5"/>
+                  <a:srgbClr val="E8E4DD"/>
                 </a:solidFill>
-                <a:latin typeface="Calibri" pitchFamily="34" charset="0"/>
-                <a:ea typeface="Calibri" pitchFamily="34" charset="-122"/>
-                <a:cs typeface="Calibri" pitchFamily="34" charset="-120"/>
+                <a:latin typeface="Segoe UI" pitchFamily="34" charset="0"/>
+                <a:ea typeface="Segoe UI" pitchFamily="34" charset="-122"/>
+                <a:cs typeface="Segoe UI" pitchFamily="34" charset="-120"/>
               </a:rPr>
               <a:t>🔔  Follow for more Databricks updates</a:t>
             </a:r>
@@ -2445,11 +2505,11 @@
             <a:r>
               <a:rPr lang="en-US" sz="1800" dirty="0">
                 <a:solidFill>
-                  <a:srgbClr val="F0F0F5"/>
+                  <a:srgbClr val="E8E4DD"/>
                 </a:solidFill>
-                <a:latin typeface="Calibri" pitchFamily="34" charset="0"/>
-                <a:ea typeface="Calibri" pitchFamily="34" charset="-122"/>
-                <a:cs typeface="Calibri" pitchFamily="34" charset="-120"/>
+                <a:latin typeface="Segoe UI" pitchFamily="34" charset="0"/>
+                <a:ea typeface="Segoe UI" pitchFamily="34" charset="-122"/>
+                <a:cs typeface="Segoe UI" pitchFamily="34" charset="-120"/>
               </a:rPr>
               <a:t>💬  Drop a comment — what feature excites you?</a:t>
             </a:r>
@@ -2482,15 +2542,43 @@
               <a:buNone/>
             </a:pPr>
             <a:r>
+              <a:rPr lang="en-US" sz="1400" b="1" dirty="0">
+                <a:solidFill>
+                  <a:srgbClr val="6B7C8A"/>
+                </a:solidFill>
+                <a:latin typeface="Georgia" pitchFamily="34" charset="0"/>
+                <a:ea typeface="Georgia" pitchFamily="34" charset="-122"/>
+                <a:cs typeface="Georgia" pitchFamily="34" charset="-120"/>
+              </a:rPr>
+              <a:t>Ust</a:t>
+            </a:r>
+            <a:pPr algn="ctr" indent="0" marL="0">
+              <a:buNone/>
+            </a:pPr>
+            <a:r>
+              <a:rPr lang="en-US" sz="1400" b="1" dirty="0">
+                <a:solidFill>
+                  <a:srgbClr val="F5A623"/>
+                </a:solidFill>
+                <a:latin typeface="Georgia" pitchFamily="34" charset="0"/>
+                <a:ea typeface="Georgia" pitchFamily="34" charset="-122"/>
+                <a:cs typeface="Georgia" pitchFamily="34" charset="-120"/>
+              </a:rPr>
+              <a:t>.</a:t>
+            </a:r>
+            <a:pPr algn="ctr" indent="0" marL="0">
+              <a:buNone/>
+            </a:pPr>
+            <a:r>
               <a:rPr lang="en-US" sz="1400" dirty="0">
                 <a:solidFill>
-                  <a:srgbClr val="A0A4B8"/>
+                  <a:srgbClr val="6B7C8A"/>
                 </a:solidFill>
-                <a:latin typeface="Calibri" pitchFamily="34" charset="0"/>
-                <a:ea typeface="Calibri" pitchFamily="34" charset="-122"/>
-                <a:cs typeface="Calibri" pitchFamily="34" charset="-120"/>
+                <a:latin typeface="Segoe UI" pitchFamily="34" charset="0"/>
+                <a:ea typeface="Segoe UI" pitchFamily="34" charset="-122"/>
+                <a:cs typeface="Segoe UI" pitchFamily="34" charset="-120"/>
               </a:rPr>
-              <a:t>ustdoes.tech  |  @Ust</a:t>
+              <a:t> does.tech  |  @Ust</a:t>
             </a:r>
             <a:endParaRPr lang="en-US" sz="1400" dirty="0"/>
           </a:p>
@@ -2511,7 +2599,7 @@
             <a:avLst/>
           </a:prstGeom>
           <a:solidFill>
-            <a:srgbClr val="FF3621"/>
+            <a:srgbClr val="0A6E6E"/>
           </a:solidFill>
           <a:ln/>
         </p:spPr>
